--- a/Credit_EDA_Assignment_Vinay_Chutake.pptx
+++ b/Credit_EDA_Assignment_Vinay_Chutake.pptx
@@ -120,6 +120,11 @@
       </a:defRPr>
     </a:lvl9pPr>
   </p:defaultTextStyle>
+  <p:extLst>
+    <p:ext uri="{EFAFB233-063F-42B5-8137-9DF3F51BA10A}">
+      <p15:sldGuideLst xmlns:p15="http://schemas.microsoft.com/office/powerpoint/2012/main"/>
+    </p:ext>
+  </p:extLst>
 </p:presentation>
 </file>
 
@@ -6411,14 +6416,20 @@
           </a:xfrm>
         </p:spPr>
         <p:txBody>
-          <a:bodyPr/>
-          <a:lstStyle/>
-          <a:p>
-            <a:r>
-              <a:rPr lang="en-IN" dirty="0" smtClean="0"/>
-              <a:t>Conclusion</a:t>
-            </a:r>
-            <a:endParaRPr lang="en-IN" dirty="0"/>
+          <a:bodyPr>
+            <a:normAutofit/>
+          </a:bodyPr>
+          <a:lstStyle/>
+          <a:p>
+            <a:r>
+              <a:rPr lang="en-IN" sz="3200" dirty="0" smtClean="0"/>
+              <a:t>Conclusion </a:t>
+            </a:r>
+            <a:r>
+              <a:rPr lang="en-IN" sz="3200" smtClean="0"/>
+              <a:t>&amp; Recommendations</a:t>
+            </a:r>
+            <a:endParaRPr lang="en-IN" sz="3200" dirty="0"/>
           </a:p>
         </p:txBody>
       </p:sp>
@@ -6611,7 +6622,7 @@
           <p:cNvPr id="4" name="Title 1">
             <a:extLst>
               <a:ext uri="{FF2B5EF4-FFF2-40B4-BE49-F238E27FC236}">
-                <a16:creationId xmlns="" xmlns:a16="http://schemas.microsoft.com/office/drawing/2014/main" xmlns:lc="http://schemas.openxmlformats.org/drawingml/2006/lockedCanvas" id="{AB883500-B733-42AD-B264-E82B7644A292}"/>
+                <a16:creationId xmlns:lc="http://schemas.openxmlformats.org/drawingml/2006/lockedCanvas" xmlns:a16="http://schemas.microsoft.com/office/drawing/2014/main" xmlns="" id="{AB883500-B733-42AD-B264-E82B7644A292}"/>
               </a:ext>
             </a:extLst>
           </p:cNvPr>
@@ -6665,7 +6676,7 @@
           <p:cNvPr id="5" name="Content Placeholder 2">
             <a:extLst>
               <a:ext uri="{FF2B5EF4-FFF2-40B4-BE49-F238E27FC236}">
-                <a16:creationId xmlns="" xmlns:a16="http://schemas.microsoft.com/office/drawing/2014/main" xmlns:lc="http://schemas.openxmlformats.org/drawingml/2006/lockedCanvas" id="{6E298197-A6D4-4C30-BC5E-90510F40403E}"/>
+                <a16:creationId xmlns:lc="http://schemas.openxmlformats.org/drawingml/2006/lockedCanvas" xmlns:a16="http://schemas.microsoft.com/office/drawing/2014/main" xmlns="" id="{6E298197-A6D4-4C30-BC5E-90510F40403E}"/>
               </a:ext>
             </a:extLst>
           </p:cNvPr>
@@ -6865,14 +6876,12 @@
               <a:rPr lang="en-US" dirty="0" smtClean="0"/>
               <a:t>Business Objective</a:t>
             </a:r>
-            <a:endParaRPr lang="en-US" dirty="0" smtClean="0"/>
           </a:p>
           <a:p>
             <a:r>
               <a:rPr lang="en-US" dirty="0" smtClean="0"/>
               <a:t>Tools Used</a:t>
             </a:r>
-            <a:endParaRPr lang="en-US" dirty="0" smtClean="0"/>
           </a:p>
           <a:p>
             <a:r>
@@ -6975,7 +6984,7 @@
           <p:cNvPr id="4" name="Content Placeholder 2">
             <a:extLst>
               <a:ext uri="{FF2B5EF4-FFF2-40B4-BE49-F238E27FC236}">
-                <a16:creationId xmlns="" xmlns:a16="http://schemas.microsoft.com/office/drawing/2014/main" xmlns:lc="http://schemas.openxmlformats.org/drawingml/2006/lockedCanvas" id="{6E298197-A6D4-4C30-BC5E-90510F40403E}"/>
+                <a16:creationId xmlns:lc="http://schemas.openxmlformats.org/drawingml/2006/lockedCanvas" xmlns:a16="http://schemas.microsoft.com/office/drawing/2014/main" xmlns="" id="{6E298197-A6D4-4C30-BC5E-90510F40403E}"/>
               </a:ext>
             </a:extLst>
           </p:cNvPr>
@@ -7291,7 +7300,7 @@
           <p:cNvPr id="4" name="Content Placeholder 2">
             <a:extLst>
               <a:ext uri="{FF2B5EF4-FFF2-40B4-BE49-F238E27FC236}">
-                <a16:creationId xmlns="" xmlns:a16="http://schemas.microsoft.com/office/drawing/2014/main" xmlns:lc="http://schemas.openxmlformats.org/drawingml/2006/lockedCanvas" id="{6E298197-A6D4-4C30-BC5E-90510F40403E}"/>
+                <a16:creationId xmlns:lc="http://schemas.openxmlformats.org/drawingml/2006/lockedCanvas" xmlns:a16="http://schemas.microsoft.com/office/drawing/2014/main" xmlns="" id="{6E298197-A6D4-4C30-BC5E-90510F40403E}"/>
               </a:ext>
             </a:extLst>
           </p:cNvPr>
@@ -7658,7 +7667,7 @@
           <p:cNvPr id="4" name="Content Placeholder 2">
             <a:extLst>
               <a:ext uri="{FF2B5EF4-FFF2-40B4-BE49-F238E27FC236}">
-                <a16:creationId xmlns="" xmlns:a16="http://schemas.microsoft.com/office/drawing/2014/main" xmlns:lc="http://schemas.openxmlformats.org/drawingml/2006/lockedCanvas" id="{6E298197-A6D4-4C30-BC5E-90510F40403E}"/>
+                <a16:creationId xmlns:lc="http://schemas.openxmlformats.org/drawingml/2006/lockedCanvas" xmlns:a16="http://schemas.microsoft.com/office/drawing/2014/main" xmlns="" id="{6E298197-A6D4-4C30-BC5E-90510F40403E}"/>
               </a:ext>
             </a:extLst>
           </p:cNvPr>
@@ -8117,7 +8126,7 @@
           <p:cNvPr id="4" name="Content Placeholder 2">
             <a:extLst>
               <a:ext uri="{FF2B5EF4-FFF2-40B4-BE49-F238E27FC236}">
-                <a16:creationId xmlns="" xmlns:a16="http://schemas.microsoft.com/office/drawing/2014/main" xmlns:lc="http://schemas.openxmlformats.org/drawingml/2006/lockedCanvas" id="{6E298197-A6D4-4C30-BC5E-90510F40403E}"/>
+                <a16:creationId xmlns:lc="http://schemas.openxmlformats.org/drawingml/2006/lockedCanvas" xmlns:a16="http://schemas.microsoft.com/office/drawing/2014/main" xmlns="" id="{6E298197-A6D4-4C30-BC5E-90510F40403E}"/>
               </a:ext>
             </a:extLst>
           </p:cNvPr>
@@ -8329,7 +8338,7 @@
           <p:cNvPr id="6" name="Content Placeholder 2">
             <a:extLst>
               <a:ext uri="{FF2B5EF4-FFF2-40B4-BE49-F238E27FC236}">
-                <a16:creationId xmlns="" xmlns:a16="http://schemas.microsoft.com/office/drawing/2014/main" xmlns:lc="http://schemas.openxmlformats.org/drawingml/2006/lockedCanvas" id="{6E298197-A6D4-4C30-BC5E-90510F40403E}"/>
+                <a16:creationId xmlns:lc="http://schemas.openxmlformats.org/drawingml/2006/lockedCanvas" xmlns:a16="http://schemas.microsoft.com/office/drawing/2014/main" xmlns="" id="{6E298197-A6D4-4C30-BC5E-90510F40403E}"/>
               </a:ext>
             </a:extLst>
           </p:cNvPr>
@@ -8673,7 +8682,7 @@
           <p:cNvPr id="4" name="Content Placeholder 2">
             <a:extLst>
               <a:ext uri="{FF2B5EF4-FFF2-40B4-BE49-F238E27FC236}">
-                <a16:creationId xmlns="" xmlns:a16="http://schemas.microsoft.com/office/drawing/2014/main" xmlns:lc="http://schemas.openxmlformats.org/drawingml/2006/lockedCanvas" id="{6E298197-A6D4-4C30-BC5E-90510F40403E}"/>
+                <a16:creationId xmlns:lc="http://schemas.openxmlformats.org/drawingml/2006/lockedCanvas" xmlns:a16="http://schemas.microsoft.com/office/drawing/2014/main" xmlns="" id="{6E298197-A6D4-4C30-BC5E-90510F40403E}"/>
               </a:ext>
             </a:extLst>
           </p:cNvPr>
